--- a/NXTrobotok.pptx
+++ b/NXTrobotok.pptx
@@ -245,7 +245,7 @@
           <a:p>
             <a:fld id="{F5F1901C-D33B-4565-A7E4-5DF903098DB6}" type="datetimeFigureOut">
               <a:rPr lang="hu-HU" smtClean="0"/>
-              <a:t>2022. 12. 11.</a:t>
+              <a:t>2023. 01. 09.</a:t>
             </a:fld>
             <a:endParaRPr lang="hu-HU"/>
           </a:p>
@@ -425,7 +425,7 @@
           <a:p>
             <a:fld id="{F5F1901C-D33B-4565-A7E4-5DF903098DB6}" type="datetimeFigureOut">
               <a:rPr lang="hu-HU" smtClean="0"/>
-              <a:t>2022. 12. 11.</a:t>
+              <a:t>2023. 01. 09.</a:t>
             </a:fld>
             <a:endParaRPr lang="hu-HU"/>
           </a:p>
@@ -615,7 +615,7 @@
           <a:p>
             <a:fld id="{F5F1901C-D33B-4565-A7E4-5DF903098DB6}" type="datetimeFigureOut">
               <a:rPr lang="hu-HU" smtClean="0"/>
-              <a:t>2022. 12. 11.</a:t>
+              <a:t>2023. 01. 09.</a:t>
             </a:fld>
             <a:endParaRPr lang="hu-HU"/>
           </a:p>
@@ -795,7 +795,7 @@
           <a:p>
             <a:fld id="{F5F1901C-D33B-4565-A7E4-5DF903098DB6}" type="datetimeFigureOut">
               <a:rPr lang="hu-HU" smtClean="0"/>
-              <a:t>2022. 12. 11.</a:t>
+              <a:t>2023. 01. 09.</a:t>
             </a:fld>
             <a:endParaRPr lang="hu-HU"/>
           </a:p>
@@ -1052,7 +1052,7 @@
           <a:p>
             <a:fld id="{F5F1901C-D33B-4565-A7E4-5DF903098DB6}" type="datetimeFigureOut">
               <a:rPr lang="hu-HU" smtClean="0"/>
-              <a:t>2022. 12. 11.</a:t>
+              <a:t>2023. 01. 09.</a:t>
             </a:fld>
             <a:endParaRPr lang="hu-HU"/>
           </a:p>
@@ -1293,7 +1293,7 @@
           <a:p>
             <a:fld id="{F5F1901C-D33B-4565-A7E4-5DF903098DB6}" type="datetimeFigureOut">
               <a:rPr lang="hu-HU" smtClean="0"/>
-              <a:t>2022. 12. 11.</a:t>
+              <a:t>2023. 01. 09.</a:t>
             </a:fld>
             <a:endParaRPr lang="hu-HU"/>
           </a:p>
@@ -1669,7 +1669,7 @@
           <a:p>
             <a:fld id="{F5F1901C-D33B-4565-A7E4-5DF903098DB6}" type="datetimeFigureOut">
               <a:rPr lang="hu-HU" smtClean="0"/>
-              <a:t>2022. 12. 11.</a:t>
+              <a:t>2023. 01. 09.</a:t>
             </a:fld>
             <a:endParaRPr lang="hu-HU"/>
           </a:p>
@@ -1798,7 +1798,7 @@
           <a:p>
             <a:fld id="{F5F1901C-D33B-4565-A7E4-5DF903098DB6}" type="datetimeFigureOut">
               <a:rPr lang="hu-HU" smtClean="0"/>
-              <a:t>2022. 12. 11.</a:t>
+              <a:t>2023. 01. 09.</a:t>
             </a:fld>
             <a:endParaRPr lang="hu-HU"/>
           </a:p>
@@ -1905,7 +1905,7 @@
           <a:p>
             <a:fld id="{F5F1901C-D33B-4565-A7E4-5DF903098DB6}" type="datetimeFigureOut">
               <a:rPr lang="hu-HU" smtClean="0"/>
-              <a:t>2022. 12. 11.</a:t>
+              <a:t>2023. 01. 09.</a:t>
             </a:fld>
             <a:endParaRPr lang="hu-HU"/>
           </a:p>
@@ -2192,7 +2192,7 @@
           <a:p>
             <a:fld id="{F5F1901C-D33B-4565-A7E4-5DF903098DB6}" type="datetimeFigureOut">
               <a:rPr lang="hu-HU" smtClean="0"/>
-              <a:t>2022. 12. 11.</a:t>
+              <a:t>2023. 01. 09.</a:t>
             </a:fld>
             <a:endParaRPr lang="hu-HU"/>
           </a:p>
@@ -2456,7 +2456,7 @@
           <a:p>
             <a:fld id="{F5F1901C-D33B-4565-A7E4-5DF903098DB6}" type="datetimeFigureOut">
               <a:rPr lang="hu-HU" smtClean="0"/>
-              <a:t>2022. 12. 11.</a:t>
+              <a:t>2023. 01. 09.</a:t>
             </a:fld>
             <a:endParaRPr lang="hu-HU"/>
           </a:p>
@@ -2686,7 +2686,7 @@
           <a:p>
             <a:fld id="{F5F1901C-D33B-4565-A7E4-5DF903098DB6}" type="datetimeFigureOut">
               <a:rPr lang="hu-HU" smtClean="0"/>
-              <a:t>2022. 12. 11.</a:t>
+              <a:t>2023. 01. 09.</a:t>
             </a:fld>
             <a:endParaRPr lang="hu-HU"/>
           </a:p>
@@ -3162,13 +3162,13 @@
           <a:p>
             <a:pPr algn="l"/>
             <a:r>
-              <a:rPr lang="hu-HU" sz="3600" dirty="0">
+              <a:rPr lang="hu-HU" sz="3600">
                 <a:solidFill>
                   <a:schemeClr val="bg1"/>
                 </a:solidFill>
                 <a:latin typeface="Bahnschrift"/>
               </a:rPr>
-              <a:t>Csoport tagok</a:t>
+              <a:t>Csoport tagok.</a:t>
             </a:r>
             <a:endParaRPr lang="en-US" sz="3600" dirty="0">
               <a:solidFill>
@@ -3223,7 +3223,7 @@
             </a:endParaRPr>
           </a:p>
           <a:p>
-            <a:endParaRPr lang="hu-HU">
+            <a:endParaRPr lang="hu-HU" dirty="0">
               <a:cs typeface="Calibri"/>
             </a:endParaRPr>
           </a:p>
